--- a/Slides/Chuong2_Timkiem.pptx
+++ b/Slides/Chuong2_Timkiem.pptx
@@ -373,7 +373,7 @@
           <a:p>
             <a:fld id="{A2BF3456-A29E-41FE-BFB7-B24F24BEE47B}" type="datetimeFigureOut">
               <a:rPr lang="cs-CZ" smtClean="0"/>
-              <a:t>08.06.2023</a:t>
+              <a:t>14.06.2023</a:t>
             </a:fld>
             <a:endParaRPr lang="cs-CZ"/>
           </a:p>
@@ -4636,7 +4636,7 @@
           <a:p>
             <a:fld id="{1D8BD707-D9CF-40AE-B4C6-C98DA3205C09}" type="datetimeFigureOut">
               <a:rPr lang="en-US" smtClean="0"/>
-              <a:t>08/06/2023</a:t>
+              <a:t>14/06/2023</a:t>
             </a:fld>
             <a:endParaRPr lang="en-US" dirty="0"/>
           </a:p>
@@ -4806,7 +4806,7 @@
           <a:p>
             <a:fld id="{1D8BD707-D9CF-40AE-B4C6-C98DA3205C09}" type="datetimeFigureOut">
               <a:rPr lang="en-US" smtClean="0"/>
-              <a:t>08/06/2023</a:t>
+              <a:t>14/06/2023</a:t>
             </a:fld>
             <a:endParaRPr lang="en-US" dirty="0"/>
           </a:p>
@@ -4986,7 +4986,7 @@
           <a:p>
             <a:fld id="{1D8BD707-D9CF-40AE-B4C6-C98DA3205C09}" type="datetimeFigureOut">
               <a:rPr lang="en-US" smtClean="0"/>
-              <a:t>08/06/2023</a:t>
+              <a:t>14/06/2023</a:t>
             </a:fld>
             <a:endParaRPr lang="en-US" dirty="0"/>
           </a:p>
@@ -5156,7 +5156,7 @@
           <a:p>
             <a:fld id="{1D8BD707-D9CF-40AE-B4C6-C98DA3205C09}" type="datetimeFigureOut">
               <a:rPr lang="en-US" smtClean="0"/>
-              <a:t>08/06/2023</a:t>
+              <a:t>14/06/2023</a:t>
             </a:fld>
             <a:endParaRPr lang="en-US" dirty="0"/>
           </a:p>
@@ -5402,7 +5402,7 @@
           <a:p>
             <a:fld id="{1D8BD707-D9CF-40AE-B4C6-C98DA3205C09}" type="datetimeFigureOut">
               <a:rPr lang="en-US" smtClean="0"/>
-              <a:t>08/06/2023</a:t>
+              <a:t>14/06/2023</a:t>
             </a:fld>
             <a:endParaRPr lang="en-US" dirty="0"/>
           </a:p>
@@ -5634,7 +5634,7 @@
           <a:p>
             <a:fld id="{1D8BD707-D9CF-40AE-B4C6-C98DA3205C09}" type="datetimeFigureOut">
               <a:rPr lang="en-US" smtClean="0"/>
-              <a:t>08/06/2023</a:t>
+              <a:t>14/06/2023</a:t>
             </a:fld>
             <a:endParaRPr lang="en-US" dirty="0"/>
           </a:p>
@@ -6001,7 +6001,7 @@
           <a:p>
             <a:fld id="{1D8BD707-D9CF-40AE-B4C6-C98DA3205C09}" type="datetimeFigureOut">
               <a:rPr lang="en-US" smtClean="0"/>
-              <a:t>08/06/2023</a:t>
+              <a:t>14/06/2023</a:t>
             </a:fld>
             <a:endParaRPr lang="en-US" dirty="0"/>
           </a:p>
@@ -6119,7 +6119,7 @@
           <a:p>
             <a:fld id="{1D8BD707-D9CF-40AE-B4C6-C98DA3205C09}" type="datetimeFigureOut">
               <a:rPr lang="en-US" smtClean="0"/>
-              <a:t>08/06/2023</a:t>
+              <a:t>14/06/2023</a:t>
             </a:fld>
             <a:endParaRPr lang="en-US" dirty="0"/>
           </a:p>
@@ -6214,7 +6214,7 @@
           <a:p>
             <a:fld id="{1D8BD707-D9CF-40AE-B4C6-C98DA3205C09}" type="datetimeFigureOut">
               <a:rPr lang="en-US" smtClean="0"/>
-              <a:t>08/06/2023</a:t>
+              <a:t>14/06/2023</a:t>
             </a:fld>
             <a:endParaRPr lang="en-US" dirty="0"/>
           </a:p>
@@ -6491,7 +6491,7 @@
           <a:p>
             <a:fld id="{1D8BD707-D9CF-40AE-B4C6-C98DA3205C09}" type="datetimeFigureOut">
               <a:rPr lang="en-US" smtClean="0"/>
-              <a:t>08/06/2023</a:t>
+              <a:t>14/06/2023</a:t>
             </a:fld>
             <a:endParaRPr lang="en-US" dirty="0"/>
           </a:p>
@@ -6748,7 +6748,7 @@
           <a:p>
             <a:fld id="{1D8BD707-D9CF-40AE-B4C6-C98DA3205C09}" type="datetimeFigureOut">
               <a:rPr lang="en-US" smtClean="0"/>
-              <a:t>08/06/2023</a:t>
+              <a:t>14/06/2023</a:t>
             </a:fld>
             <a:endParaRPr lang="en-US" dirty="0"/>
           </a:p>
@@ -6946,7 +6946,7 @@
           <a:p>
             <a:fld id="{1D8BD707-D9CF-40AE-B4C6-C98DA3205C09}" type="datetimeFigureOut">
               <a:rPr lang="en-US" smtClean="0"/>
-              <a:t>08/06/2023</a:t>
+              <a:t>14/06/2023</a:t>
             </a:fld>
             <a:endParaRPr lang="en-US" dirty="0"/>
           </a:p>
@@ -49142,10 +49142,10 @@
       </p:sp>
       <p:pic>
         <p:nvPicPr>
-          <p:cNvPr id="5" name="Picture 4">
+          <p:cNvPr id="3" name="Picture 2">
             <a:extLst>
               <a:ext uri="{FF2B5EF4-FFF2-40B4-BE49-F238E27FC236}">
-                <a16:creationId xmlns:a16="http://schemas.microsoft.com/office/drawing/2014/main" id="{2113D714-3B6F-0608-742B-BC2DB835B980}"/>
+                <a16:creationId xmlns:a16="http://schemas.microsoft.com/office/drawing/2014/main" id="{8D924E1B-013A-5A1C-70FC-F222A893922F}"/>
               </a:ext>
             </a:extLst>
           </p:cNvPr>
@@ -49166,11 +49166,6 @@
                 </a:srgbClr>
               </a:clrTo>
             </a:clrChange>
-            <a:extLst>
-              <a:ext uri="{28A0092B-C50C-407E-A947-70E740481C1C}">
-                <a14:useLocalDpi xmlns:a14="http://schemas.microsoft.com/office/drawing/2010/main" val="0"/>
-              </a:ext>
-            </a:extLst>
           </a:blip>
           <a:stretch>
             <a:fillRect/>
@@ -49178,8 +49173,8 @@
         </p:blipFill>
         <p:spPr>
           <a:xfrm>
-            <a:off x="284957" y="1743177"/>
-            <a:ext cx="11593356" cy="7207045"/>
+            <a:off x="208756" y="1340319"/>
+            <a:ext cx="12264817" cy="6597181"/>
           </a:xfrm>
           <a:prstGeom prst="rect">
             <a:avLst/>

--- a/Slides/Chuong2_Timkiem.pptx
+++ b/Slides/Chuong2_Timkiem.pptx
@@ -5,7 +5,7 @@
     <p:sldMasterId id="2147483690" r:id="rId1"/>
   </p:sldMasterIdLst>
   <p:notesMasterIdLst>
-    <p:notesMasterId r:id="rId48"/>
+    <p:notesMasterId r:id="rId49"/>
   </p:notesMasterIdLst>
   <p:sldIdLst>
     <p:sldId id="256" r:id="rId2"/>
@@ -54,6 +54,7 @@
     <p:sldId id="305" r:id="rId45"/>
     <p:sldId id="306" r:id="rId46"/>
     <p:sldId id="307" r:id="rId47"/>
+    <p:sldId id="308" r:id="rId48"/>
   </p:sldIdLst>
   <p:sldSz cx="19010313" cy="10693400"/>
   <p:notesSz cx="7556500" cy="10693400"/>
@@ -259,6 +260,7 @@
             <p14:sldId id="305"/>
             <p14:sldId id="306"/>
             <p14:sldId id="307"/>
+            <p14:sldId id="308"/>
           </p14:sldIdLst>
         </p14:section>
       </p14:sectionLst>
@@ -373,7 +375,7 @@
           <a:p>
             <a:fld id="{A2BF3456-A29E-41FE-BFB7-B24F24BEE47B}" type="datetimeFigureOut">
               <a:rPr lang="cs-CZ" smtClean="0"/>
-              <a:t>14.06.2023</a:t>
+              <a:t>03.07.2023</a:t>
             </a:fld>
             <a:endParaRPr lang="cs-CZ"/>
           </a:p>
@@ -4636,7 +4638,7 @@
           <a:p>
             <a:fld id="{1D8BD707-D9CF-40AE-B4C6-C98DA3205C09}" type="datetimeFigureOut">
               <a:rPr lang="en-US" smtClean="0"/>
-              <a:t>14/06/2023</a:t>
+              <a:t>03/07/2023</a:t>
             </a:fld>
             <a:endParaRPr lang="en-US" dirty="0"/>
           </a:p>
@@ -4806,7 +4808,7 @@
           <a:p>
             <a:fld id="{1D8BD707-D9CF-40AE-B4C6-C98DA3205C09}" type="datetimeFigureOut">
               <a:rPr lang="en-US" smtClean="0"/>
-              <a:t>14/06/2023</a:t>
+              <a:t>03/07/2023</a:t>
             </a:fld>
             <a:endParaRPr lang="en-US" dirty="0"/>
           </a:p>
@@ -4986,7 +4988,7 @@
           <a:p>
             <a:fld id="{1D8BD707-D9CF-40AE-B4C6-C98DA3205C09}" type="datetimeFigureOut">
               <a:rPr lang="en-US" smtClean="0"/>
-              <a:t>14/06/2023</a:t>
+              <a:t>03/07/2023</a:t>
             </a:fld>
             <a:endParaRPr lang="en-US" dirty="0"/>
           </a:p>
@@ -5156,7 +5158,7 @@
           <a:p>
             <a:fld id="{1D8BD707-D9CF-40AE-B4C6-C98DA3205C09}" type="datetimeFigureOut">
               <a:rPr lang="en-US" smtClean="0"/>
-              <a:t>14/06/2023</a:t>
+              <a:t>03/07/2023</a:t>
             </a:fld>
             <a:endParaRPr lang="en-US" dirty="0"/>
           </a:p>
@@ -5402,7 +5404,7 @@
           <a:p>
             <a:fld id="{1D8BD707-D9CF-40AE-B4C6-C98DA3205C09}" type="datetimeFigureOut">
               <a:rPr lang="en-US" smtClean="0"/>
-              <a:t>14/06/2023</a:t>
+              <a:t>03/07/2023</a:t>
             </a:fld>
             <a:endParaRPr lang="en-US" dirty="0"/>
           </a:p>
@@ -5634,7 +5636,7 @@
           <a:p>
             <a:fld id="{1D8BD707-D9CF-40AE-B4C6-C98DA3205C09}" type="datetimeFigureOut">
               <a:rPr lang="en-US" smtClean="0"/>
-              <a:t>14/06/2023</a:t>
+              <a:t>03/07/2023</a:t>
             </a:fld>
             <a:endParaRPr lang="en-US" dirty="0"/>
           </a:p>
@@ -6001,7 +6003,7 @@
           <a:p>
             <a:fld id="{1D8BD707-D9CF-40AE-B4C6-C98DA3205C09}" type="datetimeFigureOut">
               <a:rPr lang="en-US" smtClean="0"/>
-              <a:t>14/06/2023</a:t>
+              <a:t>03/07/2023</a:t>
             </a:fld>
             <a:endParaRPr lang="en-US" dirty="0"/>
           </a:p>
@@ -6119,7 +6121,7 @@
           <a:p>
             <a:fld id="{1D8BD707-D9CF-40AE-B4C6-C98DA3205C09}" type="datetimeFigureOut">
               <a:rPr lang="en-US" smtClean="0"/>
-              <a:t>14/06/2023</a:t>
+              <a:t>03/07/2023</a:t>
             </a:fld>
             <a:endParaRPr lang="en-US" dirty="0"/>
           </a:p>
@@ -6214,7 +6216,7 @@
           <a:p>
             <a:fld id="{1D8BD707-D9CF-40AE-B4C6-C98DA3205C09}" type="datetimeFigureOut">
               <a:rPr lang="en-US" smtClean="0"/>
-              <a:t>14/06/2023</a:t>
+              <a:t>03/07/2023</a:t>
             </a:fld>
             <a:endParaRPr lang="en-US" dirty="0"/>
           </a:p>
@@ -6491,7 +6493,7 @@
           <a:p>
             <a:fld id="{1D8BD707-D9CF-40AE-B4C6-C98DA3205C09}" type="datetimeFigureOut">
               <a:rPr lang="en-US" smtClean="0"/>
-              <a:t>14/06/2023</a:t>
+              <a:t>03/07/2023</a:t>
             </a:fld>
             <a:endParaRPr lang="en-US" dirty="0"/>
           </a:p>
@@ -6748,7 +6750,7 @@
           <a:p>
             <a:fld id="{1D8BD707-D9CF-40AE-B4C6-C98DA3205C09}" type="datetimeFigureOut">
               <a:rPr lang="en-US" smtClean="0"/>
-              <a:t>14/06/2023</a:t>
+              <a:t>03/07/2023</a:t>
             </a:fld>
             <a:endParaRPr lang="en-US" dirty="0"/>
           </a:p>
@@ -6946,7 +6948,7 @@
           <a:p>
             <a:fld id="{1D8BD707-D9CF-40AE-B4C6-C98DA3205C09}" type="datetimeFigureOut">
               <a:rPr lang="en-US" smtClean="0"/>
-              <a:t>14/06/2023</a:t>
+              <a:t>03/07/2023</a:t>
             </a:fld>
             <a:endParaRPr lang="en-US" dirty="0"/>
           </a:p>
@@ -7525,7 +7527,7 @@
         <p:spPr>
           <a:xfrm>
             <a:off x="818356" y="317499"/>
-            <a:ext cx="17145000" cy="505267"/>
+            <a:ext cx="17145000" cy="751488"/>
           </a:xfrm>
           <a:prstGeom prst="rect">
             <a:avLst/>
@@ -7543,7 +7545,7 @@
               </a:spcBef>
             </a:pPr>
             <a:r>
-              <a:rPr lang="en-US" sz="3200" spc="-10">
+              <a:rPr lang="en-US" sz="4800" spc="-10">
                 <a:solidFill>
                   <a:srgbClr val="FFFFFF"/>
                 </a:solidFill>
@@ -7551,7 +7553,7 @@
               </a:rPr>
               <a:t>Chương 2. BÀI TOÁN VÀ PHƯƠNG PHÁP TÌM KIẾM LỜI GIẢI</a:t>
             </a:r>
-            <a:endParaRPr sz="3200" dirty="0">
+            <a:endParaRPr sz="4800" dirty="0">
               <a:cs typeface="Source Sans Pro Light"/>
             </a:endParaRPr>
           </a:p>
@@ -8017,7 +8019,7 @@
         <p:spPr>
           <a:xfrm>
             <a:off x="818356" y="317499"/>
-            <a:ext cx="17145000" cy="705321"/>
+            <a:ext cx="17145000" cy="751488"/>
           </a:xfrm>
           <a:prstGeom prst="rect">
             <a:avLst/>
@@ -8035,7 +8037,7 @@
               </a:spcBef>
             </a:pPr>
             <a:r>
-              <a:rPr lang="vi-VN" sz="4400" spc="-10">
+              <a:rPr lang="vi-VN" sz="4800" spc="-10">
                 <a:solidFill>
                   <a:srgbClr val="FFFFFF"/>
                 </a:solidFill>
@@ -8043,7 +8045,7 @@
               </a:rPr>
               <a:t>Chương 2. BÀI TOÁN VÀ PHƯƠNG PHÁP TÌM KIẾM LỜI GIẢI</a:t>
             </a:r>
-            <a:endParaRPr lang="vi-VN" sz="4400" dirty="0">
+            <a:endParaRPr lang="vi-VN" sz="4800" dirty="0">
               <a:cs typeface="Source Sans Pro Light"/>
             </a:endParaRPr>
           </a:p>
@@ -8528,7 +8530,7 @@
         <p:spPr>
           <a:xfrm>
             <a:off x="818356" y="317499"/>
-            <a:ext cx="17145000" cy="705321"/>
+            <a:ext cx="17145000" cy="751488"/>
           </a:xfrm>
           <a:prstGeom prst="rect">
             <a:avLst/>
@@ -8546,7 +8548,7 @@
               </a:spcBef>
             </a:pPr>
             <a:r>
-              <a:rPr lang="vi-VN" sz="4400" spc="-10">
+              <a:rPr lang="vi-VN" sz="4800" spc="-10">
                 <a:solidFill>
                   <a:srgbClr val="FFFFFF"/>
                 </a:solidFill>
@@ -8554,7 +8556,7 @@
               </a:rPr>
               <a:t>Chương 2. BÀI TOÁN VÀ PHƯƠNG PHÁP TÌM KIẾM LỜI GIẢI</a:t>
             </a:r>
-            <a:endParaRPr lang="vi-VN" sz="4400" dirty="0">
+            <a:endParaRPr lang="vi-VN" sz="4800" dirty="0">
               <a:cs typeface="Source Sans Pro Light"/>
             </a:endParaRPr>
           </a:p>
@@ -9080,7 +9082,7 @@
         <p:spPr>
           <a:xfrm>
             <a:off x="818356" y="317499"/>
-            <a:ext cx="17145000" cy="705321"/>
+            <a:ext cx="17145000" cy="751488"/>
           </a:xfrm>
           <a:prstGeom prst="rect">
             <a:avLst/>
@@ -9098,7 +9100,7 @@
               </a:spcBef>
             </a:pPr>
             <a:r>
-              <a:rPr lang="vi-VN" sz="4400" spc="-10">
+              <a:rPr lang="vi-VN" sz="4800" spc="-10">
                 <a:solidFill>
                   <a:srgbClr val="FFFFFF"/>
                 </a:solidFill>
@@ -9106,7 +9108,7 @@
               </a:rPr>
               <a:t>Chương 2. BÀI TOÁN VÀ PHƯƠNG PHÁP TÌM KIẾM LỜI GIẢI</a:t>
             </a:r>
-            <a:endParaRPr lang="vi-VN" sz="4400" dirty="0">
+            <a:endParaRPr lang="vi-VN" sz="4800" dirty="0">
               <a:cs typeface="Source Sans Pro Light"/>
             </a:endParaRPr>
           </a:p>
@@ -9590,7 +9592,7 @@
         <p:spPr>
           <a:xfrm>
             <a:off x="818356" y="317499"/>
-            <a:ext cx="17145000" cy="705321"/>
+            <a:ext cx="17145000" cy="751488"/>
           </a:xfrm>
           <a:prstGeom prst="rect">
             <a:avLst/>
@@ -9608,7 +9610,7 @@
               </a:spcBef>
             </a:pPr>
             <a:r>
-              <a:rPr lang="vi-VN" sz="4400" spc="-10">
+              <a:rPr lang="vi-VN" sz="4800" spc="-10">
                 <a:solidFill>
                   <a:srgbClr val="FFFFFF"/>
                 </a:solidFill>
@@ -9616,7 +9618,7 @@
               </a:rPr>
               <a:t>Chương 2. BÀI TOÁN VÀ PHƯƠNG PHÁP TÌM KIẾM LỜI GIẢI</a:t>
             </a:r>
-            <a:endParaRPr lang="vi-VN" sz="4400" dirty="0">
+            <a:endParaRPr lang="vi-VN" sz="4800" dirty="0">
               <a:cs typeface="Source Sans Pro Light"/>
             </a:endParaRPr>
           </a:p>
@@ -10129,7 +10131,7 @@
         <p:spPr>
           <a:xfrm>
             <a:off x="818356" y="317499"/>
-            <a:ext cx="17145000" cy="705321"/>
+            <a:ext cx="17145000" cy="751488"/>
           </a:xfrm>
           <a:prstGeom prst="rect">
             <a:avLst/>
@@ -10147,7 +10149,7 @@
               </a:spcBef>
             </a:pPr>
             <a:r>
-              <a:rPr lang="vi-VN" sz="4400" spc="-10">
+              <a:rPr lang="vi-VN" sz="4800" spc="-10">
                 <a:solidFill>
                   <a:srgbClr val="FFFFFF"/>
                 </a:solidFill>
@@ -10155,7 +10157,7 @@
               </a:rPr>
               <a:t>Chương 2. BÀI TOÁN VÀ PHƯƠNG PHÁP TÌM KIẾM LỜI GIẢI</a:t>
             </a:r>
-            <a:endParaRPr lang="vi-VN" sz="4400" dirty="0">
+            <a:endParaRPr lang="vi-VN" sz="4800" dirty="0">
               <a:cs typeface="Source Sans Pro Light"/>
             </a:endParaRPr>
           </a:p>
@@ -10786,7 +10788,7 @@
         <p:spPr>
           <a:xfrm>
             <a:off x="818356" y="317499"/>
-            <a:ext cx="17145000" cy="705321"/>
+            <a:ext cx="17145000" cy="751488"/>
           </a:xfrm>
           <a:prstGeom prst="rect">
             <a:avLst/>
@@ -10804,7 +10806,7 @@
               </a:spcBef>
             </a:pPr>
             <a:r>
-              <a:rPr lang="vi-VN" sz="4400" spc="-10">
+              <a:rPr lang="vi-VN" sz="4800" spc="-10">
                 <a:solidFill>
                   <a:srgbClr val="FFFFFF"/>
                 </a:solidFill>
@@ -10812,7 +10814,7 @@
               </a:rPr>
               <a:t>Chương 2. BÀI TOÁN VÀ PHƯƠNG PHÁP TÌM KIẾM LỜI GIẢI</a:t>
             </a:r>
-            <a:endParaRPr lang="vi-VN" sz="4400" dirty="0">
+            <a:endParaRPr lang="vi-VN" sz="4800" dirty="0">
               <a:cs typeface="Source Sans Pro Light"/>
             </a:endParaRPr>
           </a:p>
@@ -11993,7 +11995,7 @@
         <p:spPr>
           <a:xfrm>
             <a:off x="818356" y="317499"/>
-            <a:ext cx="17145000" cy="705321"/>
+            <a:ext cx="17145000" cy="751488"/>
           </a:xfrm>
           <a:prstGeom prst="rect">
             <a:avLst/>
@@ -12011,7 +12013,7 @@
               </a:spcBef>
             </a:pPr>
             <a:r>
-              <a:rPr lang="vi-VN" sz="4400" spc="-10">
+              <a:rPr lang="vi-VN" sz="4800" spc="-10">
                 <a:solidFill>
                   <a:srgbClr val="FFFFFF"/>
                 </a:solidFill>
@@ -12019,7 +12021,7 @@
               </a:rPr>
               <a:t>Chương 2. BÀI TOÁN VÀ PHƯƠNG PHÁP TÌM KIẾM LỜI GIẢI</a:t>
             </a:r>
-            <a:endParaRPr lang="vi-VN" sz="4400" dirty="0">
+            <a:endParaRPr lang="vi-VN" sz="4800" dirty="0">
               <a:cs typeface="Source Sans Pro Light"/>
             </a:endParaRPr>
           </a:p>
@@ -12650,7 +12652,7 @@
         <p:spPr>
           <a:xfrm>
             <a:off x="818356" y="317499"/>
-            <a:ext cx="17145000" cy="705321"/>
+            <a:ext cx="17145000" cy="751488"/>
           </a:xfrm>
           <a:prstGeom prst="rect">
             <a:avLst/>
@@ -12668,7 +12670,7 @@
               </a:spcBef>
             </a:pPr>
             <a:r>
-              <a:rPr lang="vi-VN" sz="4400" spc="-10">
+              <a:rPr lang="vi-VN" sz="4800" spc="-10">
                 <a:solidFill>
                   <a:srgbClr val="FFFFFF"/>
                 </a:solidFill>
@@ -12676,7 +12678,7 @@
               </a:rPr>
               <a:t>Chương 2. BÀI TOÁN VÀ PHƯƠNG PHÁP TÌM KIẾM LỜI GIẢI</a:t>
             </a:r>
-            <a:endParaRPr lang="vi-VN" sz="4400" dirty="0">
+            <a:endParaRPr lang="vi-VN" sz="4800" dirty="0">
               <a:cs typeface="Source Sans Pro Light"/>
             </a:endParaRPr>
           </a:p>
@@ -13661,7 +13663,7 @@
         <p:spPr>
           <a:xfrm>
             <a:off x="818356" y="317499"/>
-            <a:ext cx="17145000" cy="705321"/>
+            <a:ext cx="17145000" cy="751488"/>
           </a:xfrm>
           <a:prstGeom prst="rect">
             <a:avLst/>
@@ -13679,7 +13681,7 @@
               </a:spcBef>
             </a:pPr>
             <a:r>
-              <a:rPr lang="vi-VN" sz="4400" spc="-10">
+              <a:rPr lang="vi-VN" sz="4800" spc="-10">
                 <a:solidFill>
                   <a:srgbClr val="FFFFFF"/>
                 </a:solidFill>
@@ -13687,7 +13689,7 @@
               </a:rPr>
               <a:t>Chương 2. BÀI TOÁN VÀ PHƯƠNG PHÁP TÌM KIẾM LỜI GIẢI</a:t>
             </a:r>
-            <a:endParaRPr lang="vi-VN" sz="4400" dirty="0">
+            <a:endParaRPr lang="vi-VN" sz="4800" dirty="0">
               <a:cs typeface="Source Sans Pro Light"/>
             </a:endParaRPr>
           </a:p>
@@ -14783,7 +14785,7 @@
         <p:spPr>
           <a:xfrm>
             <a:off x="818356" y="317499"/>
-            <a:ext cx="17145000" cy="705321"/>
+            <a:ext cx="17145000" cy="751488"/>
           </a:xfrm>
           <a:prstGeom prst="rect">
             <a:avLst/>
@@ -14801,7 +14803,7 @@
               </a:spcBef>
             </a:pPr>
             <a:r>
-              <a:rPr lang="vi-VN" sz="4400" spc="-10">
+              <a:rPr lang="vi-VN" sz="4800" spc="-10">
                 <a:solidFill>
                   <a:srgbClr val="FFFFFF"/>
                 </a:solidFill>
@@ -14809,7 +14811,7 @@
               </a:rPr>
               <a:t>Chương 2. BÀI TOÁN VÀ PHƯƠNG PHÁP TÌM KIẾM LỜI GIẢI</a:t>
             </a:r>
-            <a:endParaRPr lang="vi-VN" sz="4400" dirty="0">
+            <a:endParaRPr lang="vi-VN" sz="4800" dirty="0">
               <a:cs typeface="Source Sans Pro Light"/>
             </a:endParaRPr>
           </a:p>
@@ -15458,24 +15460,15 @@
               </a:spcBef>
             </a:pPr>
             <a:r>
-              <a:rPr lang="en-US" sz="4500" spc="-10">
-                <a:solidFill>
-                  <a:srgbClr val="FFFFFF"/>
-                </a:solidFill>
-                <a:cs typeface="Source Sans Pro Light"/>
-              </a:rPr>
-              <a:t>Chương 2. </a:t>
-            </a:r>
-            <a:r>
               <a:rPr lang="en-US" sz="4800" spc="-10">
                 <a:solidFill>
                   <a:srgbClr val="FFFFFF"/>
                 </a:solidFill>
                 <a:cs typeface="Source Sans Pro Light"/>
               </a:rPr>
-              <a:t>BÀI TOÁN VÀ PHƯƠNG PHÁP TÌM KIẾM LỜI GIẢI</a:t>
-            </a:r>
-            <a:endParaRPr sz="4500" dirty="0">
+              <a:t>Chương 2. BÀI TOÁN VÀ PHƯƠNG PHÁP TÌM KIẾM LỜI GIẢI</a:t>
+            </a:r>
+            <a:endParaRPr sz="4800" dirty="0">
               <a:cs typeface="Source Sans Pro Light"/>
             </a:endParaRPr>
           </a:p>
@@ -15747,7 +15740,7 @@
         <p:spPr>
           <a:xfrm>
             <a:off x="818356" y="317499"/>
-            <a:ext cx="17145000" cy="705321"/>
+            <a:ext cx="17145000" cy="751488"/>
           </a:xfrm>
           <a:prstGeom prst="rect">
             <a:avLst/>
@@ -15765,7 +15758,7 @@
               </a:spcBef>
             </a:pPr>
             <a:r>
-              <a:rPr lang="vi-VN" sz="4400" spc="-10">
+              <a:rPr lang="vi-VN" sz="4800" spc="-10">
                 <a:solidFill>
                   <a:srgbClr val="FFFFFF"/>
                 </a:solidFill>
@@ -15773,7 +15766,7 @@
               </a:rPr>
               <a:t>Chương 2. BÀI TOÁN VÀ PHƯƠNG PHÁP TÌM KIẾM LỜI GIẢI</a:t>
             </a:r>
-            <a:endParaRPr lang="vi-VN" sz="4400" dirty="0">
+            <a:endParaRPr lang="vi-VN" sz="4800" dirty="0">
               <a:cs typeface="Source Sans Pro Light"/>
             </a:endParaRPr>
           </a:p>
@@ -16963,7 +16956,7 @@
         <p:spPr>
           <a:xfrm>
             <a:off x="818356" y="317499"/>
-            <a:ext cx="17145000" cy="705321"/>
+            <a:ext cx="17145000" cy="751488"/>
           </a:xfrm>
           <a:prstGeom prst="rect">
             <a:avLst/>
@@ -16981,7 +16974,7 @@
               </a:spcBef>
             </a:pPr>
             <a:r>
-              <a:rPr lang="vi-VN" sz="4400" spc="-10">
+              <a:rPr lang="vi-VN" sz="4800" spc="-10">
                 <a:solidFill>
                   <a:srgbClr val="FFFFFF"/>
                 </a:solidFill>
@@ -16989,7 +16982,7 @@
               </a:rPr>
               <a:t>Chương 2. BÀI TOÁN VÀ PHƯƠNG PHÁP TÌM KIẾM LỜI GIẢI</a:t>
             </a:r>
-            <a:endParaRPr lang="vi-VN" sz="4400" dirty="0">
+            <a:endParaRPr lang="vi-VN" sz="4800" dirty="0">
               <a:cs typeface="Source Sans Pro Light"/>
             </a:endParaRPr>
           </a:p>
@@ -17620,7 +17613,7 @@
         <p:spPr>
           <a:xfrm>
             <a:off x="818356" y="317499"/>
-            <a:ext cx="17145000" cy="705321"/>
+            <a:ext cx="17145000" cy="751488"/>
           </a:xfrm>
           <a:prstGeom prst="rect">
             <a:avLst/>
@@ -17638,7 +17631,7 @@
               </a:spcBef>
             </a:pPr>
             <a:r>
-              <a:rPr lang="vi-VN" sz="4400" spc="-10">
+              <a:rPr lang="vi-VN" sz="4800" spc="-10">
                 <a:solidFill>
                   <a:srgbClr val="FFFFFF"/>
                 </a:solidFill>
@@ -17646,7 +17639,7 @@
               </a:rPr>
               <a:t>Chương 2. BÀI TOÁN VÀ PHƯƠNG PHÁP TÌM KIẾM LỜI GIẢI</a:t>
             </a:r>
-            <a:endParaRPr lang="vi-VN" sz="4400" dirty="0">
+            <a:endParaRPr lang="vi-VN" sz="4800" dirty="0">
               <a:cs typeface="Source Sans Pro Light"/>
             </a:endParaRPr>
           </a:p>
@@ -18764,7 +18757,7 @@
         <p:spPr>
           <a:xfrm>
             <a:off x="818356" y="317499"/>
-            <a:ext cx="17145000" cy="705321"/>
+            <a:ext cx="17145000" cy="751488"/>
           </a:xfrm>
           <a:prstGeom prst="rect">
             <a:avLst/>
@@ -18782,7 +18775,7 @@
               </a:spcBef>
             </a:pPr>
             <a:r>
-              <a:rPr lang="vi-VN" sz="4400" spc="-10">
+              <a:rPr lang="vi-VN" sz="4800" spc="-10">
                 <a:solidFill>
                   <a:srgbClr val="FFFFFF"/>
                 </a:solidFill>
@@ -18790,7 +18783,7 @@
               </a:rPr>
               <a:t>Chương 2. BÀI TOÁN VÀ PHƯƠNG PHÁP TÌM KIẾM LỜI GIẢI</a:t>
             </a:r>
-            <a:endParaRPr lang="vi-VN" sz="4400" dirty="0">
+            <a:endParaRPr lang="vi-VN" sz="4800" dirty="0">
               <a:cs typeface="Source Sans Pro Light"/>
             </a:endParaRPr>
           </a:p>
@@ -19421,7 +19414,7 @@
         <p:spPr>
           <a:xfrm>
             <a:off x="818356" y="317499"/>
-            <a:ext cx="17145000" cy="705321"/>
+            <a:ext cx="17145000" cy="751488"/>
           </a:xfrm>
           <a:prstGeom prst="rect">
             <a:avLst/>
@@ -19439,7 +19432,7 @@
               </a:spcBef>
             </a:pPr>
             <a:r>
-              <a:rPr lang="vi-VN" sz="4400" spc="-10">
+              <a:rPr lang="vi-VN" sz="4800" spc="-10">
                 <a:solidFill>
                   <a:srgbClr val="FFFFFF"/>
                 </a:solidFill>
@@ -19447,7 +19440,7 @@
               </a:rPr>
               <a:t>Chương 2. BÀI TOÁN VÀ PHƯƠNG PHÁP TÌM KIẾM LỜI GIẢI</a:t>
             </a:r>
-            <a:endParaRPr lang="vi-VN" sz="4400" dirty="0">
+            <a:endParaRPr lang="vi-VN" sz="4800" dirty="0">
               <a:cs typeface="Source Sans Pro Light"/>
             </a:endParaRPr>
           </a:p>
@@ -20565,7 +20558,7 @@
         <p:spPr>
           <a:xfrm>
             <a:off x="818356" y="317499"/>
-            <a:ext cx="17145000" cy="705321"/>
+            <a:ext cx="17145000" cy="751488"/>
           </a:xfrm>
           <a:prstGeom prst="rect">
             <a:avLst/>
@@ -20583,7 +20576,7 @@
               </a:spcBef>
             </a:pPr>
             <a:r>
-              <a:rPr lang="vi-VN" sz="4400" spc="-10">
+              <a:rPr lang="vi-VN" sz="4800" spc="-10">
                 <a:solidFill>
                   <a:srgbClr val="FFFFFF"/>
                 </a:solidFill>
@@ -20591,7 +20584,7 @@
               </a:rPr>
               <a:t>Chương 2. BÀI TOÁN VÀ PHƯƠNG PHÁP TÌM KIẾM LỜI GIẢI</a:t>
             </a:r>
-            <a:endParaRPr lang="vi-VN" sz="4400" dirty="0">
+            <a:endParaRPr lang="vi-VN" sz="4800" dirty="0">
               <a:cs typeface="Source Sans Pro Light"/>
             </a:endParaRPr>
           </a:p>
@@ -21222,7 +21215,7 @@
         <p:spPr>
           <a:xfrm>
             <a:off x="818356" y="317499"/>
-            <a:ext cx="17145000" cy="705321"/>
+            <a:ext cx="17145000" cy="751488"/>
           </a:xfrm>
           <a:prstGeom prst="rect">
             <a:avLst/>
@@ -21240,7 +21233,7 @@
               </a:spcBef>
             </a:pPr>
             <a:r>
-              <a:rPr lang="vi-VN" sz="4400" spc="-10">
+              <a:rPr lang="vi-VN" sz="4800" spc="-10">
                 <a:solidFill>
                   <a:srgbClr val="FFFFFF"/>
                 </a:solidFill>
@@ -21248,7 +21241,7 @@
               </a:rPr>
               <a:t>Chương 2. BÀI TOÁN VÀ PHƯƠNG PHÁP TÌM KIẾM LỜI GIẢI</a:t>
             </a:r>
-            <a:endParaRPr lang="vi-VN" sz="4400" dirty="0">
+            <a:endParaRPr lang="vi-VN" sz="4800" dirty="0">
               <a:cs typeface="Source Sans Pro Light"/>
             </a:endParaRPr>
           </a:p>
@@ -22571,7 +22564,7 @@
         <p:spPr>
           <a:xfrm>
             <a:off x="818356" y="317499"/>
-            <a:ext cx="17145000" cy="705321"/>
+            <a:ext cx="17145000" cy="751488"/>
           </a:xfrm>
           <a:prstGeom prst="rect">
             <a:avLst/>
@@ -22589,7 +22582,7 @@
               </a:spcBef>
             </a:pPr>
             <a:r>
-              <a:rPr lang="vi-VN" sz="4400" spc="-10">
+              <a:rPr lang="vi-VN" sz="4800" spc="-10">
                 <a:solidFill>
                   <a:srgbClr val="FFFFFF"/>
                 </a:solidFill>
@@ -22597,7 +22590,7 @@
               </a:rPr>
               <a:t>Chương 2. BÀI TOÁN VÀ PHƯƠNG PHÁP TÌM KIẾM LỜI GIẢI</a:t>
             </a:r>
-            <a:endParaRPr lang="vi-VN" sz="4400" dirty="0">
+            <a:endParaRPr lang="vi-VN" sz="4800" dirty="0">
               <a:cs typeface="Source Sans Pro Light"/>
             </a:endParaRPr>
           </a:p>
@@ -23232,7 +23225,7 @@
         <p:spPr>
           <a:xfrm>
             <a:off x="818356" y="317499"/>
-            <a:ext cx="17145000" cy="705321"/>
+            <a:ext cx="17145000" cy="751488"/>
           </a:xfrm>
           <a:prstGeom prst="rect">
             <a:avLst/>
@@ -23250,7 +23243,7 @@
               </a:spcBef>
             </a:pPr>
             <a:r>
-              <a:rPr lang="vi-VN" sz="4400" spc="-10">
+              <a:rPr lang="vi-VN" sz="4800" spc="-10">
                 <a:solidFill>
                   <a:srgbClr val="FFFFFF"/>
                 </a:solidFill>
@@ -23258,7 +23251,7 @@
               </a:rPr>
               <a:t>Chương 2. BÀI TOÁN VÀ PHƯƠNG PHÁP TÌM KIẾM LỜI GIẢI</a:t>
             </a:r>
-            <a:endParaRPr lang="vi-VN" sz="4400" dirty="0">
+            <a:endParaRPr lang="vi-VN" sz="4800" dirty="0">
               <a:cs typeface="Source Sans Pro Light"/>
             </a:endParaRPr>
           </a:p>
@@ -23893,7 +23886,7 @@
         <p:spPr>
           <a:xfrm>
             <a:off x="818356" y="317499"/>
-            <a:ext cx="17145000" cy="705321"/>
+            <a:ext cx="17145000" cy="751488"/>
           </a:xfrm>
           <a:prstGeom prst="rect">
             <a:avLst/>
@@ -23911,7 +23904,7 @@
               </a:spcBef>
             </a:pPr>
             <a:r>
-              <a:rPr lang="vi-VN" sz="4400" spc="-10">
+              <a:rPr lang="vi-VN" sz="4800" spc="-10">
                 <a:solidFill>
                   <a:srgbClr val="FFFFFF"/>
                 </a:solidFill>
@@ -23919,7 +23912,7 @@
               </a:rPr>
               <a:t>Chương 2. BÀI TOÁN VÀ PHƯƠNG PHÁP TÌM KIẾM LỜI GIẢI</a:t>
             </a:r>
-            <a:endParaRPr lang="vi-VN" sz="4400" dirty="0">
+            <a:endParaRPr lang="vi-VN" sz="4800" dirty="0">
               <a:cs typeface="Source Sans Pro Light"/>
             </a:endParaRPr>
           </a:p>
@@ -24550,7 +24543,7 @@
         <p:spPr>
           <a:xfrm>
             <a:off x="818356" y="317499"/>
-            <a:ext cx="17145000" cy="705321"/>
+            <a:ext cx="17145000" cy="751488"/>
           </a:xfrm>
           <a:prstGeom prst="rect">
             <a:avLst/>
@@ -24568,7 +24561,7 @@
               </a:spcBef>
             </a:pPr>
             <a:r>
-              <a:rPr lang="vi-VN" sz="4400" spc="-10">
+              <a:rPr lang="vi-VN" sz="4800" spc="-10">
                 <a:solidFill>
                   <a:srgbClr val="FFFFFF"/>
                 </a:solidFill>
@@ -24576,7 +24569,7 @@
               </a:rPr>
               <a:t>Chương 2. BÀI TOÁN VÀ PHƯƠNG PHÁP TÌM KIẾM LỜI GIẢI</a:t>
             </a:r>
-            <a:endParaRPr lang="vi-VN" sz="4400" dirty="0">
+            <a:endParaRPr lang="vi-VN" sz="4800" dirty="0">
               <a:cs typeface="Source Sans Pro Light"/>
             </a:endParaRPr>
           </a:p>
@@ -24908,7 +24901,7 @@
         <p:spPr>
           <a:xfrm>
             <a:off x="818356" y="317499"/>
-            <a:ext cx="17145000" cy="705321"/>
+            <a:ext cx="17145000" cy="751488"/>
           </a:xfrm>
           <a:prstGeom prst="rect">
             <a:avLst/>
@@ -24926,7 +24919,7 @@
               </a:spcBef>
             </a:pPr>
             <a:r>
-              <a:rPr lang="vi-VN" sz="4400" spc="-10">
+              <a:rPr lang="vi-VN" sz="4800" spc="-10">
                 <a:solidFill>
                   <a:srgbClr val="FFFFFF"/>
                 </a:solidFill>
@@ -24934,7 +24927,7 @@
               </a:rPr>
               <a:t>Chương 2. BÀI TOÁN VÀ PHƯƠNG PHÁP TÌM KIẾM LỜI GIẢI</a:t>
             </a:r>
-            <a:endParaRPr lang="vi-VN" sz="4400" dirty="0">
+            <a:endParaRPr lang="vi-VN" sz="4800" dirty="0">
               <a:cs typeface="Source Sans Pro Light"/>
             </a:endParaRPr>
           </a:p>
@@ -26331,7 +26324,7 @@
         <p:spPr>
           <a:xfrm>
             <a:off x="818356" y="317499"/>
-            <a:ext cx="17145000" cy="705321"/>
+            <a:ext cx="17145000" cy="751488"/>
           </a:xfrm>
           <a:prstGeom prst="rect">
             <a:avLst/>
@@ -26349,7 +26342,7 @@
               </a:spcBef>
             </a:pPr>
             <a:r>
-              <a:rPr lang="vi-VN" sz="4400" spc="-10">
+              <a:rPr lang="vi-VN" sz="4800" spc="-10">
                 <a:solidFill>
                   <a:srgbClr val="FFFFFF"/>
                 </a:solidFill>
@@ -26357,7 +26350,7 @@
               </a:rPr>
               <a:t>Chương 2. BÀI TOÁN VÀ PHƯƠNG PHÁP TÌM KIẾM LỜI GIẢI</a:t>
             </a:r>
-            <a:endParaRPr lang="vi-VN" sz="4400" dirty="0">
+            <a:endParaRPr lang="vi-VN" sz="4800" dirty="0">
               <a:cs typeface="Source Sans Pro Light"/>
             </a:endParaRPr>
           </a:p>
@@ -26988,7 +26981,7 @@
         <p:spPr>
           <a:xfrm>
             <a:off x="818356" y="317499"/>
-            <a:ext cx="17145000" cy="705321"/>
+            <a:ext cx="17145000" cy="751488"/>
           </a:xfrm>
           <a:prstGeom prst="rect">
             <a:avLst/>
@@ -27006,7 +26999,7 @@
               </a:spcBef>
             </a:pPr>
             <a:r>
-              <a:rPr lang="vi-VN" sz="4400" spc="-10">
+              <a:rPr lang="vi-VN" sz="4800" spc="-10">
                 <a:solidFill>
                   <a:srgbClr val="FFFFFF"/>
                 </a:solidFill>
@@ -27014,7 +27007,7 @@
               </a:rPr>
               <a:t>Chương 2. BÀI TOÁN VÀ PHƯƠNG PHÁP TÌM KIẾM LỜI GIẢI</a:t>
             </a:r>
-            <a:endParaRPr lang="vi-VN" sz="4400" dirty="0">
+            <a:endParaRPr lang="vi-VN" sz="4800" dirty="0">
               <a:cs typeface="Source Sans Pro Light"/>
             </a:endParaRPr>
           </a:p>
@@ -28020,7 +28013,7 @@
         <p:spPr>
           <a:xfrm>
             <a:off x="818356" y="317499"/>
-            <a:ext cx="17145000" cy="705321"/>
+            <a:ext cx="17145000" cy="751488"/>
           </a:xfrm>
           <a:prstGeom prst="rect">
             <a:avLst/>
@@ -28038,7 +28031,7 @@
               </a:spcBef>
             </a:pPr>
             <a:r>
-              <a:rPr lang="vi-VN" sz="4400" spc="-10">
+              <a:rPr lang="vi-VN" sz="4800" spc="-10">
                 <a:solidFill>
                   <a:srgbClr val="FFFFFF"/>
                 </a:solidFill>
@@ -28046,7 +28039,7 @@
               </a:rPr>
               <a:t>Chương 2. BÀI TOÁN VÀ PHƯƠNG PHÁP TÌM KIẾM LỜI GIẢI</a:t>
             </a:r>
-            <a:endParaRPr lang="vi-VN" sz="4400" dirty="0">
+            <a:endParaRPr lang="vi-VN" sz="4800" dirty="0">
               <a:cs typeface="Source Sans Pro Light"/>
             </a:endParaRPr>
           </a:p>
@@ -29162,7 +29155,7 @@
         <p:spPr>
           <a:xfrm>
             <a:off x="818356" y="317499"/>
-            <a:ext cx="17145000" cy="705321"/>
+            <a:ext cx="17145000" cy="751488"/>
           </a:xfrm>
           <a:prstGeom prst="rect">
             <a:avLst/>
@@ -29180,7 +29173,7 @@
               </a:spcBef>
             </a:pPr>
             <a:r>
-              <a:rPr lang="vi-VN" sz="4400" spc="-10">
+              <a:rPr lang="vi-VN" sz="4800" spc="-10">
                 <a:solidFill>
                   <a:srgbClr val="FFFFFF"/>
                 </a:solidFill>
@@ -29188,7 +29181,7 @@
               </a:rPr>
               <a:t>Chương 2. BÀI TOÁN VÀ PHƯƠNG PHÁP TÌM KIẾM LỜI GIẢI</a:t>
             </a:r>
-            <a:endParaRPr lang="vi-VN" sz="4400" dirty="0">
+            <a:endParaRPr lang="vi-VN" sz="4800" dirty="0">
               <a:cs typeface="Source Sans Pro Light"/>
             </a:endParaRPr>
           </a:p>
@@ -29819,7 +29812,7 @@
         <p:spPr>
           <a:xfrm>
             <a:off x="818356" y="317499"/>
-            <a:ext cx="17145000" cy="705321"/>
+            <a:ext cx="17145000" cy="751488"/>
           </a:xfrm>
           <a:prstGeom prst="rect">
             <a:avLst/>
@@ -29837,7 +29830,7 @@
               </a:spcBef>
             </a:pPr>
             <a:r>
-              <a:rPr lang="vi-VN" sz="4400" spc="-10">
+              <a:rPr lang="vi-VN" sz="4800" spc="-10">
                 <a:solidFill>
                   <a:srgbClr val="FFFFFF"/>
                 </a:solidFill>
@@ -29845,7 +29838,7 @@
               </a:rPr>
               <a:t>Chương 2. BÀI TOÁN VÀ PHƯƠNG PHÁP TÌM KIẾM LỜI GIẢI</a:t>
             </a:r>
-            <a:endParaRPr lang="vi-VN" sz="4400" dirty="0">
+            <a:endParaRPr lang="vi-VN" sz="4800" dirty="0">
               <a:cs typeface="Source Sans Pro Light"/>
             </a:endParaRPr>
           </a:p>
@@ -30983,7 +30976,7 @@
         <p:spPr>
           <a:xfrm>
             <a:off x="818356" y="317499"/>
-            <a:ext cx="17145000" cy="705321"/>
+            <a:ext cx="17145000" cy="751488"/>
           </a:xfrm>
           <a:prstGeom prst="rect">
             <a:avLst/>
@@ -31001,7 +30994,7 @@
               </a:spcBef>
             </a:pPr>
             <a:r>
-              <a:rPr lang="vi-VN" sz="4400" spc="-10">
+              <a:rPr lang="vi-VN" sz="4800" spc="-10">
                 <a:solidFill>
                   <a:srgbClr val="FFFFFF"/>
                 </a:solidFill>
@@ -31009,7 +31002,7 @@
               </a:rPr>
               <a:t>Chương 2. BÀI TOÁN VÀ PHƯƠNG PHÁP TÌM KIẾM LỜI GIẢI</a:t>
             </a:r>
-            <a:endParaRPr lang="vi-VN" sz="4400" dirty="0">
+            <a:endParaRPr lang="vi-VN" sz="4800" dirty="0">
               <a:cs typeface="Source Sans Pro Light"/>
             </a:endParaRPr>
           </a:p>
@@ -31640,7 +31633,7 @@
         <p:spPr>
           <a:xfrm>
             <a:off x="818356" y="317499"/>
-            <a:ext cx="17145000" cy="705321"/>
+            <a:ext cx="17145000" cy="751488"/>
           </a:xfrm>
           <a:prstGeom prst="rect">
             <a:avLst/>
@@ -31658,7 +31651,7 @@
               </a:spcBef>
             </a:pPr>
             <a:r>
-              <a:rPr lang="vi-VN" sz="4400" spc="-10">
+              <a:rPr lang="vi-VN" sz="4800" spc="-10">
                 <a:solidFill>
                   <a:srgbClr val="FFFFFF"/>
                 </a:solidFill>
@@ -31666,7 +31659,7 @@
               </a:rPr>
               <a:t>Chương 2. BÀI TOÁN VÀ PHƯƠNG PHÁP TÌM KIẾM LỜI GIẢI</a:t>
             </a:r>
-            <a:endParaRPr lang="vi-VN" sz="4400" dirty="0">
+            <a:endParaRPr lang="vi-VN" sz="4800" dirty="0">
               <a:cs typeface="Source Sans Pro Light"/>
             </a:endParaRPr>
           </a:p>
@@ -32619,7 +32612,7 @@
         <p:spPr>
           <a:xfrm>
             <a:off x="818356" y="317499"/>
-            <a:ext cx="17145000" cy="705321"/>
+            <a:ext cx="17145000" cy="751488"/>
           </a:xfrm>
           <a:prstGeom prst="rect">
             <a:avLst/>
@@ -32637,7 +32630,7 @@
               </a:spcBef>
             </a:pPr>
             <a:r>
-              <a:rPr lang="vi-VN" sz="4400" spc="-10">
+              <a:rPr lang="vi-VN" sz="4800" spc="-10">
                 <a:solidFill>
                   <a:srgbClr val="FFFFFF"/>
                 </a:solidFill>
@@ -32645,7 +32638,7 @@
               </a:rPr>
               <a:t>Chương 2. BÀI TOÁN VÀ PHƯƠNG PHÁP TÌM KIẾM LỜI GIẢI</a:t>
             </a:r>
-            <a:endParaRPr lang="vi-VN" sz="4400" dirty="0">
+            <a:endParaRPr lang="vi-VN" sz="4800" dirty="0">
               <a:cs typeface="Source Sans Pro Light"/>
             </a:endParaRPr>
           </a:p>
@@ -33276,7 +33269,7 @@
         <p:spPr>
           <a:xfrm>
             <a:off x="818356" y="317499"/>
-            <a:ext cx="17145000" cy="705321"/>
+            <a:ext cx="17145000" cy="751488"/>
           </a:xfrm>
           <a:prstGeom prst="rect">
             <a:avLst/>
@@ -33294,7 +33287,7 @@
               </a:spcBef>
             </a:pPr>
             <a:r>
-              <a:rPr lang="vi-VN" sz="4400" spc="-10">
+              <a:rPr lang="vi-VN" sz="4800" spc="-10">
                 <a:solidFill>
                   <a:srgbClr val="FFFFFF"/>
                 </a:solidFill>
@@ -33302,7 +33295,7 @@
               </a:rPr>
               <a:t>Chương 2. BÀI TOÁN VÀ PHƯƠNG PHÁP TÌM KIẾM LỜI GIẢI</a:t>
             </a:r>
-            <a:endParaRPr lang="vi-VN" sz="4400" dirty="0">
+            <a:endParaRPr lang="vi-VN" sz="4800" dirty="0">
               <a:cs typeface="Source Sans Pro Light"/>
             </a:endParaRPr>
           </a:p>
@@ -34327,7 +34320,7 @@
         <p:spPr>
           <a:xfrm>
             <a:off x="818356" y="317499"/>
-            <a:ext cx="17145000" cy="705321"/>
+            <a:ext cx="17145000" cy="751488"/>
           </a:xfrm>
           <a:prstGeom prst="rect">
             <a:avLst/>
@@ -34345,7 +34338,7 @@
               </a:spcBef>
             </a:pPr>
             <a:r>
-              <a:rPr lang="vi-VN" sz="4400" spc="-10">
+              <a:rPr lang="vi-VN" sz="4800" spc="-10">
                 <a:solidFill>
                   <a:srgbClr val="FFFFFF"/>
                 </a:solidFill>
@@ -34353,7 +34346,7 @@
               </a:rPr>
               <a:t>Chương 2. BÀI TOÁN VÀ PHƯƠNG PHÁP TÌM KIẾM LỜI GIẢI</a:t>
             </a:r>
-            <a:endParaRPr lang="vi-VN" sz="4400" dirty="0">
+            <a:endParaRPr lang="vi-VN" sz="4800" dirty="0">
               <a:cs typeface="Source Sans Pro Light"/>
             </a:endParaRPr>
           </a:p>
@@ -35925,7 +35918,7 @@
         <p:spPr>
           <a:xfrm>
             <a:off x="818356" y="317499"/>
-            <a:ext cx="17145000" cy="705321"/>
+            <a:ext cx="17145000" cy="751488"/>
           </a:xfrm>
           <a:prstGeom prst="rect">
             <a:avLst/>
@@ -35943,7 +35936,7 @@
               </a:spcBef>
             </a:pPr>
             <a:r>
-              <a:rPr lang="vi-VN" sz="4400" spc="-10">
+              <a:rPr lang="vi-VN" sz="4800" spc="-10">
                 <a:solidFill>
                   <a:srgbClr val="FFFFFF"/>
                 </a:solidFill>
@@ -35951,7 +35944,7 @@
               </a:rPr>
               <a:t>Chương 2. BÀI TOÁN VÀ PHƯƠNG PHÁP TÌM KIẾM LỜI GIẢI</a:t>
             </a:r>
-            <a:endParaRPr lang="vi-VN" sz="4400" dirty="0">
+            <a:endParaRPr lang="vi-VN" sz="4800" dirty="0">
               <a:cs typeface="Source Sans Pro Light"/>
             </a:endParaRPr>
           </a:p>
@@ -36582,7 +36575,7 @@
         <p:spPr>
           <a:xfrm>
             <a:off x="818356" y="317499"/>
-            <a:ext cx="17145000" cy="705321"/>
+            <a:ext cx="17145000" cy="751488"/>
           </a:xfrm>
           <a:prstGeom prst="rect">
             <a:avLst/>
@@ -36600,7 +36593,7 @@
               </a:spcBef>
             </a:pPr>
             <a:r>
-              <a:rPr lang="vi-VN" sz="4400" spc="-10">
+              <a:rPr lang="vi-VN" sz="4800" spc="-10">
                 <a:solidFill>
                   <a:srgbClr val="FFFFFF"/>
                 </a:solidFill>
@@ -36608,7 +36601,7 @@
               </a:rPr>
               <a:t>Chương 2. BÀI TOÁN VÀ PHƯƠNG PHÁP TÌM KIẾM LỜI GIẢI</a:t>
             </a:r>
-            <a:endParaRPr lang="vi-VN" sz="4400" dirty="0">
+            <a:endParaRPr lang="vi-VN" sz="4800" dirty="0">
               <a:cs typeface="Source Sans Pro Light"/>
             </a:endParaRPr>
           </a:p>
@@ -38120,7 +38113,7 @@
         <p:spPr>
           <a:xfrm>
             <a:off x="818356" y="317499"/>
-            <a:ext cx="17145000" cy="705321"/>
+            <a:ext cx="17145000" cy="751488"/>
           </a:xfrm>
           <a:prstGeom prst="rect">
             <a:avLst/>
@@ -38138,7 +38131,7 @@
               </a:spcBef>
             </a:pPr>
             <a:r>
-              <a:rPr lang="vi-VN" sz="4400" spc="-10">
+              <a:rPr lang="vi-VN" sz="4800" spc="-10">
                 <a:solidFill>
                   <a:srgbClr val="FFFFFF"/>
                 </a:solidFill>
@@ -38146,7 +38139,7 @@
               </a:rPr>
               <a:t>Chương 2. BÀI TOÁN VÀ PHƯƠNG PHÁP TÌM KIẾM LỜI GIẢI</a:t>
             </a:r>
-            <a:endParaRPr lang="vi-VN" sz="4400" dirty="0">
+            <a:endParaRPr lang="vi-VN" sz="4800" dirty="0">
               <a:cs typeface="Source Sans Pro Light"/>
             </a:endParaRPr>
           </a:p>
@@ -38623,7 +38616,7 @@
         <p:spPr>
           <a:xfrm>
             <a:off x="818356" y="317499"/>
-            <a:ext cx="17145000" cy="705321"/>
+            <a:ext cx="17145000" cy="751488"/>
           </a:xfrm>
           <a:prstGeom prst="rect">
             <a:avLst/>
@@ -38641,7 +38634,7 @@
               </a:spcBef>
             </a:pPr>
             <a:r>
-              <a:rPr lang="vi-VN" sz="4400" spc="-10">
+              <a:rPr lang="vi-VN" sz="4800" spc="-10">
                 <a:solidFill>
                   <a:srgbClr val="FFFFFF"/>
                 </a:solidFill>
@@ -38649,7 +38642,7 @@
               </a:rPr>
               <a:t>Chương 2. BÀI TOÁN VÀ PHƯƠNG PHÁP TÌM KIẾM LỜI GIẢI</a:t>
             </a:r>
-            <a:endParaRPr lang="vi-VN" sz="4400" dirty="0">
+            <a:endParaRPr lang="vi-VN" sz="4800" dirty="0">
               <a:cs typeface="Source Sans Pro Light"/>
             </a:endParaRPr>
           </a:p>
@@ -39286,7 +39279,7 @@
         <p:spPr>
           <a:xfrm>
             <a:off x="818356" y="317499"/>
-            <a:ext cx="17145000" cy="705321"/>
+            <a:ext cx="17145000" cy="751488"/>
           </a:xfrm>
           <a:prstGeom prst="rect">
             <a:avLst/>
@@ -39304,7 +39297,7 @@
               </a:spcBef>
             </a:pPr>
             <a:r>
-              <a:rPr lang="vi-VN" sz="4400" spc="-10">
+              <a:rPr lang="vi-VN" sz="4800" spc="-10">
                 <a:solidFill>
                   <a:srgbClr val="FFFFFF"/>
                 </a:solidFill>
@@ -39312,7 +39305,7 @@
               </a:rPr>
               <a:t>Chương 2. BÀI TOÁN VÀ PHƯƠNG PHÁP TÌM KIẾM LỜI GIẢI</a:t>
             </a:r>
-            <a:endParaRPr lang="vi-VN" sz="4400" dirty="0">
+            <a:endParaRPr lang="vi-VN" sz="4800" dirty="0">
               <a:cs typeface="Source Sans Pro Light"/>
             </a:endParaRPr>
           </a:p>
@@ -39779,7 +39772,7 @@
         <p:spPr>
           <a:xfrm>
             <a:off x="818356" y="317499"/>
-            <a:ext cx="17145000" cy="705321"/>
+            <a:ext cx="17145000" cy="751488"/>
           </a:xfrm>
           <a:prstGeom prst="rect">
             <a:avLst/>
@@ -39797,7 +39790,7 @@
               </a:spcBef>
             </a:pPr>
             <a:r>
-              <a:rPr lang="vi-VN" sz="4400" spc="-10">
+              <a:rPr lang="vi-VN" sz="4800" spc="-10">
                 <a:solidFill>
                   <a:srgbClr val="FFFFFF"/>
                 </a:solidFill>
@@ -39805,7 +39798,7 @@
               </a:rPr>
               <a:t>Chương 2. BÀI TOÁN VÀ PHƯƠNG PHÁP TÌM KIẾM LỜI GIẢI</a:t>
             </a:r>
-            <a:endParaRPr lang="vi-VN" sz="4400" dirty="0">
+            <a:endParaRPr lang="vi-VN" sz="4800" dirty="0">
               <a:cs typeface="Source Sans Pro Light"/>
             </a:endParaRPr>
           </a:p>
@@ -40237,7 +40230,7 @@
         <p:spPr>
           <a:xfrm>
             <a:off x="818356" y="317499"/>
-            <a:ext cx="17145000" cy="705321"/>
+            <a:ext cx="17145000" cy="751488"/>
           </a:xfrm>
           <a:prstGeom prst="rect">
             <a:avLst/>
@@ -40255,7 +40248,7 @@
               </a:spcBef>
             </a:pPr>
             <a:r>
-              <a:rPr lang="vi-VN" sz="4400" spc="-10">
+              <a:rPr lang="vi-VN" sz="4800" spc="-10">
                 <a:solidFill>
                   <a:srgbClr val="FFFFFF"/>
                 </a:solidFill>
@@ -40263,7 +40256,7 @@
               </a:rPr>
               <a:t>Chương 2. BÀI TOÁN VÀ PHƯƠNG PHÁP TÌM KIẾM LỜI GIẢI</a:t>
             </a:r>
-            <a:endParaRPr lang="vi-VN" sz="4400" dirty="0">
+            <a:endParaRPr lang="vi-VN" sz="4800" dirty="0">
               <a:cs typeface="Source Sans Pro Light"/>
             </a:endParaRPr>
           </a:p>
@@ -40522,6 +40515,72 @@
 </p:sld>
 </file>
 
+<file path=ppt/slides/slide47.xml><?xml version="1.0" encoding="utf-8"?>
+<p:sld xmlns:a="http://schemas.openxmlformats.org/drawingml/2006/main" xmlns:r="http://schemas.openxmlformats.org/officeDocument/2006/relationships" xmlns:p="http://schemas.openxmlformats.org/presentationml/2006/main">
+  <p:cSld>
+    <p:spTree>
+      <p:nvGrpSpPr>
+        <p:cNvPr id="1" name=""/>
+        <p:cNvGrpSpPr/>
+        <p:nvPr/>
+      </p:nvGrpSpPr>
+      <p:grpSpPr>
+        <a:xfrm>
+          <a:off x="0" y="0"/>
+          <a:ext cx="0" cy="0"/>
+          <a:chOff x="0" y="0"/>
+          <a:chExt cx="0" cy="0"/>
+        </a:xfrm>
+      </p:grpSpPr>
+      <p:sp>
+        <p:nvSpPr>
+          <p:cNvPr id="2" name="Title 1">
+            <a:extLst>
+              <a:ext uri="{FF2B5EF4-FFF2-40B4-BE49-F238E27FC236}">
+                <a16:creationId xmlns:a16="http://schemas.microsoft.com/office/drawing/2014/main" id="{174BBA82-DE6E-83EA-0441-32B847EDCAAA}"/>
+              </a:ext>
+            </a:extLst>
+          </p:cNvPr>
+          <p:cNvSpPr>
+            <a:spLocks noGrp="1"/>
+          </p:cNvSpPr>
+          <p:nvPr>
+            <p:ph type="title"/>
+          </p:nvPr>
+        </p:nvSpPr>
+        <p:spPr>
+          <a:xfrm>
+            <a:off x="1306958" y="4660900"/>
+            <a:ext cx="16396395" cy="1767382"/>
+          </a:xfrm>
+        </p:spPr>
+        <p:txBody>
+          <a:bodyPr>
+            <a:normAutofit/>
+          </a:bodyPr>
+          <a:lstStyle/>
+          <a:p>
+            <a:pPr algn="ctr"/>
+            <a:r>
+              <a:rPr lang="en-US" sz="5000"/>
+              <a:t>HẾT CHƯƠNG 2</a:t>
+            </a:r>
+          </a:p>
+        </p:txBody>
+      </p:sp>
+    </p:spTree>
+    <p:extLst>
+      <p:ext uri="{BB962C8B-B14F-4D97-AF65-F5344CB8AC3E}">
+        <p14:creationId xmlns:p14="http://schemas.microsoft.com/office/powerpoint/2010/main" val="459092232"/>
+      </p:ext>
+    </p:extLst>
+  </p:cSld>
+  <p:clrMapOvr>
+    <a:masterClrMapping/>
+  </p:clrMapOvr>
+</p:sld>
+</file>
+
 <file path=ppt/slides/slide5.xml><?xml version="1.0" encoding="utf-8"?>
 <p:sld xmlns:a="http://schemas.openxmlformats.org/drawingml/2006/main" xmlns:r="http://schemas.openxmlformats.org/officeDocument/2006/relationships" xmlns:p="http://schemas.openxmlformats.org/presentationml/2006/main">
   <p:cSld>
@@ -40598,7 +40657,7 @@
         <p:spPr>
           <a:xfrm>
             <a:off x="818356" y="317499"/>
-            <a:ext cx="17145000" cy="705321"/>
+            <a:ext cx="17145000" cy="751488"/>
           </a:xfrm>
           <a:prstGeom prst="rect">
             <a:avLst/>
@@ -40616,7 +40675,7 @@
               </a:spcBef>
             </a:pPr>
             <a:r>
-              <a:rPr lang="vi-VN" sz="4400" spc="-10">
+              <a:rPr lang="vi-VN" sz="4800" spc="-10">
                 <a:solidFill>
                   <a:srgbClr val="FFFFFF"/>
                 </a:solidFill>
@@ -40624,7 +40683,7 @@
               </a:rPr>
               <a:t>Chương 2. BÀI TOÁN VÀ PHƯƠNG PHÁP TÌM KIẾM LỜI GIẢI</a:t>
             </a:r>
-            <a:endParaRPr lang="vi-VN" sz="4400" dirty="0">
+            <a:endParaRPr lang="vi-VN" sz="4800" dirty="0">
               <a:cs typeface="Source Sans Pro Light"/>
             </a:endParaRPr>
           </a:p>
@@ -40949,7 +41008,7 @@
         <p:spPr>
           <a:xfrm>
             <a:off x="818356" y="317499"/>
-            <a:ext cx="17145000" cy="705321"/>
+            <a:ext cx="17145000" cy="751488"/>
           </a:xfrm>
           <a:prstGeom prst="rect">
             <a:avLst/>
@@ -40967,7 +41026,7 @@
               </a:spcBef>
             </a:pPr>
             <a:r>
-              <a:rPr lang="vi-VN" sz="4400" spc="-10">
+              <a:rPr lang="vi-VN" sz="4800" spc="-10">
                 <a:solidFill>
                   <a:srgbClr val="FFFFFF"/>
                 </a:solidFill>
@@ -40975,7 +41034,7 @@
               </a:rPr>
               <a:t>Chương 2. BÀI TOÁN VÀ PHƯƠNG PHÁP TÌM KIẾM LỜI GIẢI</a:t>
             </a:r>
-            <a:endParaRPr lang="vi-VN" sz="4400" dirty="0">
+            <a:endParaRPr lang="vi-VN" sz="4800" dirty="0">
               <a:cs typeface="Source Sans Pro Light"/>
             </a:endParaRPr>
           </a:p>
@@ -41203,7 +41262,7 @@
         <p:spPr>
           <a:xfrm>
             <a:off x="818356" y="317499"/>
-            <a:ext cx="17145000" cy="705321"/>
+            <a:ext cx="17145000" cy="751488"/>
           </a:xfrm>
           <a:prstGeom prst="rect">
             <a:avLst/>
@@ -41221,7 +41280,7 @@
               </a:spcBef>
             </a:pPr>
             <a:r>
-              <a:rPr lang="vi-VN" sz="4400" spc="-10">
+              <a:rPr lang="vi-VN" sz="4800" spc="-10">
                 <a:solidFill>
                   <a:srgbClr val="FFFFFF"/>
                 </a:solidFill>
@@ -41229,7 +41288,7 @@
               </a:rPr>
               <a:t>Chương 2. BÀI TOÁN VÀ PHƯƠNG PHÁP TÌM KIẾM LỜI GIẢI</a:t>
             </a:r>
-            <a:endParaRPr lang="vi-VN" sz="4400" dirty="0">
+            <a:endParaRPr lang="vi-VN" sz="4800" dirty="0">
               <a:cs typeface="Source Sans Pro Light"/>
             </a:endParaRPr>
           </a:p>
@@ -49052,7 +49111,7 @@
         <p:spPr>
           <a:xfrm>
             <a:off x="818356" y="317499"/>
-            <a:ext cx="17145000" cy="705321"/>
+            <a:ext cx="17145000" cy="751488"/>
           </a:xfrm>
           <a:prstGeom prst="rect">
             <a:avLst/>
@@ -49070,7 +49129,7 @@
               </a:spcBef>
             </a:pPr>
             <a:r>
-              <a:rPr lang="vi-VN" sz="4400" spc="-10">
+              <a:rPr lang="vi-VN" sz="4800" spc="-10">
                 <a:solidFill>
                   <a:srgbClr val="FFFFFF"/>
                 </a:solidFill>
@@ -49078,7 +49137,7 @@
               </a:rPr>
               <a:t>Chương 2. BÀI TOÁN VÀ PHƯƠNG PHÁP TÌM KIẾM LỜI GIẢI</a:t>
             </a:r>
-            <a:endParaRPr lang="vi-VN" sz="4400" dirty="0">
+            <a:endParaRPr lang="vi-VN" sz="4800" dirty="0">
               <a:cs typeface="Source Sans Pro Light"/>
             </a:endParaRPr>
           </a:p>
@@ -49270,7 +49329,7 @@
         <p:spPr>
           <a:xfrm>
             <a:off x="818356" y="317499"/>
-            <a:ext cx="17145000" cy="705321"/>
+            <a:ext cx="17145000" cy="751488"/>
           </a:xfrm>
           <a:prstGeom prst="rect">
             <a:avLst/>
@@ -49288,7 +49347,7 @@
               </a:spcBef>
             </a:pPr>
             <a:r>
-              <a:rPr lang="vi-VN" sz="4400" spc="-10">
+              <a:rPr lang="vi-VN" sz="4800" spc="-10">
                 <a:solidFill>
                   <a:srgbClr val="FFFFFF"/>
                 </a:solidFill>
@@ -49296,7 +49355,7 @@
               </a:rPr>
               <a:t>Chương 2. BÀI TOÁN VÀ PHƯƠNG PHÁP TÌM KIẾM LỜI GIẢI</a:t>
             </a:r>
-            <a:endParaRPr lang="vi-VN" sz="4400" dirty="0">
+            <a:endParaRPr lang="vi-VN" sz="4800" dirty="0">
               <a:cs typeface="Source Sans Pro Light"/>
             </a:endParaRPr>
           </a:p>
